--- a/PPT Notes/03-Linear Regression Algorithm.pptx
+++ b/PPT Notes/03-Linear Regression Algorithm.pptx
@@ -150,6 +150,104 @@
 </p:cmAuthorLst>
 </file>
 
+<file path=ppt/changesInfos/changesInfo1.xml><?xml version="1.0" encoding="utf-8"?>
+<pc:chgInfo xmlns:a="http://schemas.openxmlformats.org/drawingml/2006/main" xmlns:r="http://schemas.openxmlformats.org/officeDocument/2006/relationships" xmlns:ac="http://schemas.microsoft.com/office/drawing/2013/main/command" xmlns:pc="http://schemas.microsoft.com/office/powerpoint/2013/main/command">
+  <pc:docChgLst>
+    <pc:chgData name="USHA NANDHINI S" userId="15cdf0b0-2e93-4f62-97e7-b1410a443814" providerId="ADAL" clId="{366EBEF5-787B-4672-88B9-C54F1946D267}"/>
+    <pc:docChg chg="modSld">
+      <pc:chgData name="USHA NANDHINI S" userId="15cdf0b0-2e93-4f62-97e7-b1410a443814" providerId="ADAL" clId="{366EBEF5-787B-4672-88B9-C54F1946D267}" dt="2025-03-12T10:26:13.955" v="11" actId="20577"/>
+      <pc:docMkLst>
+        <pc:docMk/>
+      </pc:docMkLst>
+      <pc:sldChg chg="modNotesTx">
+        <pc:chgData name="USHA NANDHINI S" userId="15cdf0b0-2e93-4f62-97e7-b1410a443814" providerId="ADAL" clId="{366EBEF5-787B-4672-88B9-C54F1946D267}" dt="2025-03-12T10:25:27.434" v="1" actId="20577"/>
+        <pc:sldMkLst>
+          <pc:docMk/>
+          <pc:sldMk cId="3467308006" sldId="11694"/>
+        </pc:sldMkLst>
+      </pc:sldChg>
+      <pc:sldChg chg="modNotesTx">
+        <pc:chgData name="USHA NANDHINI S" userId="15cdf0b0-2e93-4f62-97e7-b1410a443814" providerId="ADAL" clId="{366EBEF5-787B-4672-88B9-C54F1946D267}" dt="2025-03-12T10:25:31.957" v="2" actId="20577"/>
+        <pc:sldMkLst>
+          <pc:docMk/>
+          <pc:sldMk cId="438359408" sldId="11695"/>
+        </pc:sldMkLst>
+      </pc:sldChg>
+      <pc:sldChg chg="modNotesTx">
+        <pc:chgData name="USHA NANDHINI S" userId="15cdf0b0-2e93-4f62-97e7-b1410a443814" providerId="ADAL" clId="{366EBEF5-787B-4672-88B9-C54F1946D267}" dt="2025-03-12T10:25:35.251" v="3" actId="20577"/>
+        <pc:sldMkLst>
+          <pc:docMk/>
+          <pc:sldMk cId="1311196739" sldId="11696"/>
+        </pc:sldMkLst>
+      </pc:sldChg>
+      <pc:sldChg chg="modNotesTx">
+        <pc:chgData name="USHA NANDHINI S" userId="15cdf0b0-2e93-4f62-97e7-b1410a443814" providerId="ADAL" clId="{366EBEF5-787B-4672-88B9-C54F1946D267}" dt="2025-03-12T10:25:39.350" v="4" actId="20577"/>
+        <pc:sldMkLst>
+          <pc:docMk/>
+          <pc:sldMk cId="1832206525" sldId="11697"/>
+        </pc:sldMkLst>
+      </pc:sldChg>
+      <pc:sldChg chg="modNotesTx">
+        <pc:chgData name="USHA NANDHINI S" userId="15cdf0b0-2e93-4f62-97e7-b1410a443814" providerId="ADAL" clId="{366EBEF5-787B-4672-88B9-C54F1946D267}" dt="2025-03-12T10:25:49.587" v="5" actId="20577"/>
+        <pc:sldMkLst>
+          <pc:docMk/>
+          <pc:sldMk cId="3103948613" sldId="11700"/>
+        </pc:sldMkLst>
+      </pc:sldChg>
+      <pc:sldChg chg="modNotesTx">
+        <pc:chgData name="USHA NANDHINI S" userId="15cdf0b0-2e93-4f62-97e7-b1410a443814" providerId="ADAL" clId="{366EBEF5-787B-4672-88B9-C54F1946D267}" dt="2025-03-12T10:25:23.529" v="0" actId="20577"/>
+        <pc:sldMkLst>
+          <pc:docMk/>
+          <pc:sldMk cId="2178508148" sldId="11711"/>
+        </pc:sldMkLst>
+      </pc:sldChg>
+      <pc:sldChg chg="modNotesTx">
+        <pc:chgData name="USHA NANDHINI S" userId="15cdf0b0-2e93-4f62-97e7-b1410a443814" providerId="ADAL" clId="{366EBEF5-787B-4672-88B9-C54F1946D267}" dt="2025-03-12T10:25:53.773" v="6" actId="20577"/>
+        <pc:sldMkLst>
+          <pc:docMk/>
+          <pc:sldMk cId="2558264235" sldId="11715"/>
+        </pc:sldMkLst>
+      </pc:sldChg>
+      <pc:sldChg chg="modNotesTx">
+        <pc:chgData name="USHA NANDHINI S" userId="15cdf0b0-2e93-4f62-97e7-b1410a443814" providerId="ADAL" clId="{366EBEF5-787B-4672-88B9-C54F1946D267}" dt="2025-03-12T10:25:57.261" v="7" actId="20577"/>
+        <pc:sldMkLst>
+          <pc:docMk/>
+          <pc:sldMk cId="3567308835" sldId="11716"/>
+        </pc:sldMkLst>
+      </pc:sldChg>
+      <pc:sldChg chg="modNotesTx">
+        <pc:chgData name="USHA NANDHINI S" userId="15cdf0b0-2e93-4f62-97e7-b1410a443814" providerId="ADAL" clId="{366EBEF5-787B-4672-88B9-C54F1946D267}" dt="2025-03-12T10:26:02.306" v="8" actId="20577"/>
+        <pc:sldMkLst>
+          <pc:docMk/>
+          <pc:sldMk cId="391613081" sldId="11717"/>
+        </pc:sldMkLst>
+      </pc:sldChg>
+      <pc:sldChg chg="modNotesTx">
+        <pc:chgData name="USHA NANDHINI S" userId="15cdf0b0-2e93-4f62-97e7-b1410a443814" providerId="ADAL" clId="{366EBEF5-787B-4672-88B9-C54F1946D267}" dt="2025-03-12T10:26:06.316" v="9" actId="20577"/>
+        <pc:sldMkLst>
+          <pc:docMk/>
+          <pc:sldMk cId="1384783397" sldId="11718"/>
+        </pc:sldMkLst>
+      </pc:sldChg>
+      <pc:sldChg chg="modNotesTx">
+        <pc:chgData name="USHA NANDHINI S" userId="15cdf0b0-2e93-4f62-97e7-b1410a443814" providerId="ADAL" clId="{366EBEF5-787B-4672-88B9-C54F1946D267}" dt="2025-03-12T10:26:10.475" v="10" actId="20577"/>
+        <pc:sldMkLst>
+          <pc:docMk/>
+          <pc:sldMk cId="710431014" sldId="11719"/>
+        </pc:sldMkLst>
+      </pc:sldChg>
+      <pc:sldChg chg="modNotesTx">
+        <pc:chgData name="USHA NANDHINI S" userId="15cdf0b0-2e93-4f62-97e7-b1410a443814" providerId="ADAL" clId="{366EBEF5-787B-4672-88B9-C54F1946D267}" dt="2025-03-12T10:26:13.955" v="11" actId="20577"/>
+        <pc:sldMkLst>
+          <pc:docMk/>
+          <pc:sldMk cId="517230492" sldId="11720"/>
+        </pc:sldMkLst>
+      </pc:sldChg>
+    </pc:docChg>
+  </pc:docChgLst>
+</pc:chgInfo>
+</file>
+
 <file path=ppt/notesMasters/notesMaster1.xml><?xml version="1.0" encoding="utf-8"?>
 <p:notesMaster xmlns:a="http://schemas.openxmlformats.org/drawingml/2006/main" xmlns:r="http://schemas.openxmlformats.org/officeDocument/2006/relationships" xmlns:p="http://schemas.openxmlformats.org/presentationml/2006/main">
   <p:cSld>
@@ -232,7 +330,7 @@
           <a:p>
             <a:fld id="{A1FEA251-E139-41FE-A737-B31D057964B9}" type="datetimeFigureOut">
               <a:rPr lang="en-IN" smtClean="0"/>
-              <a:t>03-03-2025</a:t>
+              <a:t>12-03-2025</a:t>
             </a:fld>
             <a:endParaRPr lang="en-IN"/>
           </a:p>
@@ -736,18 +834,6 @@
           <a:bodyPr/>
           <a:lstStyle/>
           <a:p>
-            <a:r>
-              <a:rPr lang="en-US" sz="1200" b="0" i="0" kern="1200" dirty="0">
-                <a:solidFill>
-                  <a:schemeClr val="tx1"/>
-                </a:solidFill>
-                <a:effectLst/>
-                <a:latin typeface="+mn-lt"/>
-                <a:ea typeface="+mn-ea"/>
-                <a:cs typeface="+mn-cs"/>
-              </a:rPr>
-              <a:t>Information Gain = Entropy (X: before splitting) – Entropy (each feature: after splitting)</a:t>
-            </a:r>
             <a:endParaRPr lang="en-US" dirty="0"/>
           </a:p>
         </p:txBody>
@@ -850,18 +936,6 @@
           <a:bodyPr/>
           <a:lstStyle/>
           <a:p>
-            <a:r>
-              <a:rPr lang="en-US" sz="1200" b="0" i="0" kern="1200" dirty="0">
-                <a:solidFill>
-                  <a:schemeClr val="tx1"/>
-                </a:solidFill>
-                <a:effectLst/>
-                <a:latin typeface="+mn-lt"/>
-                <a:ea typeface="+mn-ea"/>
-                <a:cs typeface="+mn-cs"/>
-              </a:rPr>
-              <a:t>Information Gain = Entropy (X: before splitting) – Entropy (each feature: after splitting)</a:t>
-            </a:r>
             <a:endParaRPr lang="en-US" dirty="0"/>
           </a:p>
         </p:txBody>
@@ -970,18 +1044,6 @@
           <a:bodyPr/>
           <a:lstStyle/>
           <a:p>
-            <a:r>
-              <a:rPr lang="en-US" sz="1200" b="0" i="0" kern="1200" dirty="0">
-                <a:solidFill>
-                  <a:schemeClr val="tx1"/>
-                </a:solidFill>
-                <a:effectLst/>
-                <a:latin typeface="+mn-lt"/>
-                <a:ea typeface="+mn-ea"/>
-                <a:cs typeface="+mn-cs"/>
-              </a:rPr>
-              <a:t>Information Gain = Entropy (X: before splitting) – Entropy (each feature: after splitting)</a:t>
-            </a:r>
             <a:endParaRPr lang="en-US" dirty="0"/>
           </a:p>
         </p:txBody>
@@ -1090,18 +1152,6 @@
           <a:bodyPr/>
           <a:lstStyle/>
           <a:p>
-            <a:r>
-              <a:rPr lang="en-US" sz="1200" b="0" i="0" kern="1200" dirty="0">
-                <a:solidFill>
-                  <a:schemeClr val="tx1"/>
-                </a:solidFill>
-                <a:effectLst/>
-                <a:latin typeface="+mn-lt"/>
-                <a:ea typeface="+mn-ea"/>
-                <a:cs typeface="+mn-cs"/>
-              </a:rPr>
-              <a:t>Information Gain = Entropy (X: before splitting) – Entropy (each feature: after splitting)</a:t>
-            </a:r>
             <a:endParaRPr lang="en-US" dirty="0"/>
           </a:p>
         </p:txBody>
@@ -1210,18 +1260,6 @@
           <a:bodyPr/>
           <a:lstStyle/>
           <a:p>
-            <a:r>
-              <a:rPr lang="en-US" sz="1200" b="0" i="0" kern="1200" dirty="0">
-                <a:solidFill>
-                  <a:schemeClr val="tx1"/>
-                </a:solidFill>
-                <a:effectLst/>
-                <a:latin typeface="+mn-lt"/>
-                <a:ea typeface="+mn-ea"/>
-                <a:cs typeface="+mn-cs"/>
-              </a:rPr>
-              <a:t>Information Gain = Entropy (X: before splitting) – Entropy (each feature: after splitting)</a:t>
-            </a:r>
             <a:endParaRPr lang="en-US" dirty="0"/>
           </a:p>
         </p:txBody>
@@ -1330,18 +1368,6 @@
           <a:bodyPr/>
           <a:lstStyle/>
           <a:p>
-            <a:r>
-              <a:rPr lang="en-US" sz="1200" b="0" i="0" kern="1200" dirty="0">
-                <a:solidFill>
-                  <a:schemeClr val="tx1"/>
-                </a:solidFill>
-                <a:effectLst/>
-                <a:latin typeface="+mn-lt"/>
-                <a:ea typeface="+mn-ea"/>
-                <a:cs typeface="+mn-cs"/>
-              </a:rPr>
-              <a:t>Information Gain = Entropy (X: before splitting) – Entropy (each feature: after splitting)</a:t>
-            </a:r>
             <a:endParaRPr lang="en-US" dirty="0"/>
           </a:p>
         </p:txBody>
@@ -1450,18 +1476,6 @@
           <a:bodyPr/>
           <a:lstStyle/>
           <a:p>
-            <a:r>
-              <a:rPr lang="en-US" sz="1200" b="0" i="0" kern="1200" dirty="0">
-                <a:solidFill>
-                  <a:schemeClr val="tx1"/>
-                </a:solidFill>
-                <a:effectLst/>
-                <a:latin typeface="+mn-lt"/>
-                <a:ea typeface="+mn-ea"/>
-                <a:cs typeface="+mn-cs"/>
-              </a:rPr>
-              <a:t>Information Gain = Entropy (X: before splitting) – Entropy (each feature: after splitting)</a:t>
-            </a:r>
             <a:endParaRPr lang="en-US" dirty="0"/>
           </a:p>
         </p:txBody>
@@ -1552,29 +1566,6 @@
           <a:bodyPr/>
           <a:lstStyle/>
           <a:p>
-            <a:pPr marL="0" marR="0" lvl="0" indent="0" algn="l" defTabSz="914400" rtl="0" eaLnBrk="1" fontAlgn="auto" latinLnBrk="0" hangingPunct="1">
-              <a:lnSpc>
-                <a:spcPct val="100000"/>
-              </a:lnSpc>
-              <a:spcBef>
-                <a:spcPts val="0"/>
-              </a:spcBef>
-              <a:spcAft>
-                <a:spcPts val="0"/>
-              </a:spcAft>
-              <a:buClrTx/>
-              <a:buSzTx/>
-              <a:buFontTx/>
-              <a:buNone/>
-              <a:tabLst/>
-              <a:defRPr/>
-            </a:pPr>
-            <a:r>
-              <a:rPr lang="en-US" sz="1200" dirty="0"/>
-              <a:t>SVM seeks the straight line (in 2D) or flat plane (in higher dimensions) that clearly separates the two classes with the greatest gap between them.</a:t>
-            </a:r>
-          </a:p>
-          <a:p>
             <a:endParaRPr lang="en-US" dirty="0"/>
           </a:p>
         </p:txBody>
@@ -1659,29 +1650,6 @@
           <a:bodyPr/>
           <a:lstStyle/>
           <a:p>
-            <a:pPr marL="0" marR="0" lvl="0" indent="0" algn="l" defTabSz="914400" rtl="0" eaLnBrk="1" fontAlgn="auto" latinLnBrk="0" hangingPunct="1">
-              <a:lnSpc>
-                <a:spcPct val="100000"/>
-              </a:lnSpc>
-              <a:spcBef>
-                <a:spcPts val="0"/>
-              </a:spcBef>
-              <a:spcAft>
-                <a:spcPts val="0"/>
-              </a:spcAft>
-              <a:buClrTx/>
-              <a:buSzTx/>
-              <a:buFontTx/>
-              <a:buNone/>
-              <a:tabLst/>
-              <a:defRPr/>
-            </a:pPr>
-            <a:r>
-              <a:rPr lang="en-US" sz="1200" dirty="0"/>
-              <a:t>This approach allows SVM to fit complex curves and boundaries, making it suitable for more intricate patterns in data.</a:t>
-            </a:r>
-          </a:p>
-          <a:p>
             <a:endParaRPr lang="en-US" dirty="0"/>
           </a:p>
         </p:txBody>
@@ -1766,10 +1734,7 @@
           <a:bodyPr/>
           <a:lstStyle/>
           <a:p>
-            <a:r>
-              <a:rPr lang="en-US" dirty="0"/>
-              <a:t>RBF kernel creates decision boundaries in non-linear spaces.</a:t>
-            </a:r>
+            <a:endParaRPr lang="en-US" dirty="0"/>
           </a:p>
         </p:txBody>
       </p:sp>
@@ -1853,18 +1818,6 @@
           <a:bodyPr/>
           <a:lstStyle/>
           <a:p>
-            <a:r>
-              <a:rPr lang="en-US" dirty="0"/>
-              <a:t>SVM for classification deals with discrete categories, while SVR predicts continuous outputs.</a:t>
-            </a:r>
-          </a:p>
-          <a:p>
-            <a:r>
-              <a:rPr lang="en-US" dirty="0"/>
-              <a:t>SVR fits a function within a threshold instead of classifying.</a:t>
-            </a:r>
-          </a:p>
-          <a:p>
             <a:endParaRPr lang="en-US" dirty="0"/>
           </a:p>
         </p:txBody>
@@ -1949,16 +1902,7 @@
           <a:bodyPr/>
           <a:lstStyle/>
           <a:p>
-            <a:r>
-              <a:rPr lang="en-US" dirty="0"/>
-              <a:t>Highlight pros: effective on high-dimensional data, versatile kernels.</a:t>
-            </a:r>
-          </a:p>
-          <a:p>
-            <a:r>
-              <a:rPr lang="en-US" dirty="0"/>
-              <a:t>Cons: computationally expensive, especially with large datasets.</a:t>
-            </a:r>
+            <a:endParaRPr lang="en-US" dirty="0"/>
           </a:p>
         </p:txBody>
       </p:sp>
@@ -2447,7 +2391,7 @@
           <a:p>
             <a:fld id="{556EC8AE-FD76-4085-A0F8-6EBDE65228C0}" type="datetimeFigureOut">
               <a:rPr lang="en-IN" smtClean="0"/>
-              <a:t>03-03-2025</a:t>
+              <a:t>12-03-2025</a:t>
             </a:fld>
             <a:endParaRPr lang="en-IN"/>
           </a:p>
@@ -2655,7 +2599,7 @@
           <a:p>
             <a:fld id="{556EC8AE-FD76-4085-A0F8-6EBDE65228C0}" type="datetimeFigureOut">
               <a:rPr lang="en-IN" smtClean="0"/>
-              <a:t>03-03-2025</a:t>
+              <a:t>12-03-2025</a:t>
             </a:fld>
             <a:endParaRPr lang="en-IN"/>
           </a:p>
@@ -2873,7 +2817,7 @@
           <a:p>
             <a:fld id="{556EC8AE-FD76-4085-A0F8-6EBDE65228C0}" type="datetimeFigureOut">
               <a:rPr lang="en-IN" smtClean="0"/>
-              <a:t>03-03-2025</a:t>
+              <a:t>12-03-2025</a:t>
             </a:fld>
             <a:endParaRPr lang="en-IN"/>
           </a:p>
@@ -3085,7 +3029,7 @@
           <a:p>
             <a:fld id="{F919D3E5-AF57-4B86-B5F7-668B736E0C29}" type="datetimeFigureOut">
               <a:rPr lang="en-GB" smtClean="0"/>
-              <a:t>03/03/2025</a:t>
+              <a:t>12/03/2025</a:t>
             </a:fld>
             <a:endParaRPr lang="en-GB"/>
           </a:p>
@@ -3255,7 +3199,7 @@
           <a:p>
             <a:fld id="{F919D3E5-AF57-4B86-B5F7-668B736E0C29}" type="datetimeFigureOut">
               <a:rPr lang="en-GB" smtClean="0"/>
-              <a:t>03/03/2025</a:t>
+              <a:t>12/03/2025</a:t>
             </a:fld>
             <a:endParaRPr lang="en-GB"/>
           </a:p>
@@ -3501,7 +3445,7 @@
           <a:p>
             <a:fld id="{F919D3E5-AF57-4B86-B5F7-668B736E0C29}" type="datetimeFigureOut">
               <a:rPr lang="en-GB" smtClean="0"/>
-              <a:t>03/03/2025</a:t>
+              <a:t>12/03/2025</a:t>
             </a:fld>
             <a:endParaRPr lang="en-GB"/>
           </a:p>
@@ -3733,7 +3677,7 @@
           <a:p>
             <a:fld id="{F919D3E5-AF57-4B86-B5F7-668B736E0C29}" type="datetimeFigureOut">
               <a:rPr lang="en-GB" smtClean="0"/>
-              <a:t>03/03/2025</a:t>
+              <a:t>12/03/2025</a:t>
             </a:fld>
             <a:endParaRPr lang="en-GB"/>
           </a:p>
@@ -4100,7 +4044,7 @@
           <a:p>
             <a:fld id="{F919D3E5-AF57-4B86-B5F7-668B736E0C29}" type="datetimeFigureOut">
               <a:rPr lang="en-GB" smtClean="0"/>
-              <a:t>03/03/2025</a:t>
+              <a:t>12/03/2025</a:t>
             </a:fld>
             <a:endParaRPr lang="en-GB"/>
           </a:p>
@@ -4218,7 +4162,7 @@
           <a:p>
             <a:fld id="{F919D3E5-AF57-4B86-B5F7-668B736E0C29}" type="datetimeFigureOut">
               <a:rPr lang="en-GB" smtClean="0"/>
-              <a:t>03/03/2025</a:t>
+              <a:t>12/03/2025</a:t>
             </a:fld>
             <a:endParaRPr lang="en-GB"/>
           </a:p>
@@ -4313,7 +4257,7 @@
           <a:p>
             <a:fld id="{F919D3E5-AF57-4B86-B5F7-668B736E0C29}" type="datetimeFigureOut">
               <a:rPr lang="en-GB" smtClean="0"/>
-              <a:t>03/03/2025</a:t>
+              <a:t>12/03/2025</a:t>
             </a:fld>
             <a:endParaRPr lang="en-GB"/>
           </a:p>
@@ -4590,7 +4534,7 @@
           <a:p>
             <a:fld id="{F919D3E5-AF57-4B86-B5F7-668B736E0C29}" type="datetimeFigureOut">
               <a:rPr lang="en-GB" smtClean="0"/>
-              <a:t>03/03/2025</a:t>
+              <a:t>12/03/2025</a:t>
             </a:fld>
             <a:endParaRPr lang="en-GB"/>
           </a:p>
@@ -4778,7 +4722,7 @@
           <a:p>
             <a:fld id="{556EC8AE-FD76-4085-A0F8-6EBDE65228C0}" type="datetimeFigureOut">
               <a:rPr lang="en-IN" smtClean="0"/>
-              <a:t>03-03-2025</a:t>
+              <a:t>12-03-2025</a:t>
             </a:fld>
             <a:endParaRPr lang="en-IN"/>
           </a:p>
@@ -5055,7 +4999,7 @@
           <a:p>
             <a:fld id="{F919D3E5-AF57-4B86-B5F7-668B736E0C29}" type="datetimeFigureOut">
               <a:rPr lang="en-GB" smtClean="0"/>
-              <a:t>03/03/2025</a:t>
+              <a:t>12/03/2025</a:t>
             </a:fld>
             <a:endParaRPr lang="en-GB"/>
           </a:p>
@@ -5225,7 +5169,7 @@
           <a:p>
             <a:fld id="{F919D3E5-AF57-4B86-B5F7-668B736E0C29}" type="datetimeFigureOut">
               <a:rPr lang="en-GB" smtClean="0"/>
-              <a:t>03/03/2025</a:t>
+              <a:t>12/03/2025</a:t>
             </a:fld>
             <a:endParaRPr lang="en-GB"/>
           </a:p>
@@ -5405,7 +5349,7 @@
           <a:p>
             <a:fld id="{F919D3E5-AF57-4B86-B5F7-668B736E0C29}" type="datetimeFigureOut">
               <a:rPr lang="en-GB" smtClean="0"/>
-              <a:t>03/03/2025</a:t>
+              <a:t>12/03/2025</a:t>
             </a:fld>
             <a:endParaRPr lang="en-GB"/>
           </a:p>
@@ -5878,7 +5822,7 @@
           <a:p>
             <a:fld id="{556EC8AE-FD76-4085-A0F8-6EBDE65228C0}" type="datetimeFigureOut">
               <a:rPr lang="en-IN" smtClean="0"/>
-              <a:t>03-03-2025</a:t>
+              <a:t>12-03-2025</a:t>
             </a:fld>
             <a:endParaRPr lang="en-IN"/>
           </a:p>
@@ -6154,7 +6098,7 @@
           <a:p>
             <a:fld id="{556EC8AE-FD76-4085-A0F8-6EBDE65228C0}" type="datetimeFigureOut">
               <a:rPr lang="en-IN" smtClean="0"/>
-              <a:t>03-03-2025</a:t>
+              <a:t>12-03-2025</a:t>
             </a:fld>
             <a:endParaRPr lang="en-IN"/>
           </a:p>
@@ -6577,7 +6521,7 @@
           <a:p>
             <a:fld id="{556EC8AE-FD76-4085-A0F8-6EBDE65228C0}" type="datetimeFigureOut">
               <a:rPr lang="en-IN" smtClean="0"/>
-              <a:t>03-03-2025</a:t>
+              <a:t>12-03-2025</a:t>
             </a:fld>
             <a:endParaRPr lang="en-IN"/>
           </a:p>
@@ -6727,7 +6671,7 @@
           <a:p>
             <a:fld id="{556EC8AE-FD76-4085-A0F8-6EBDE65228C0}" type="datetimeFigureOut">
               <a:rPr lang="en-IN" smtClean="0"/>
-              <a:t>03-03-2025</a:t>
+              <a:t>12-03-2025</a:t>
             </a:fld>
             <a:endParaRPr lang="en-IN"/>
           </a:p>
@@ -6848,7 +6792,7 @@
           <a:p>
             <a:fld id="{556EC8AE-FD76-4085-A0F8-6EBDE65228C0}" type="datetimeFigureOut">
               <a:rPr lang="en-IN" smtClean="0"/>
-              <a:t>03-03-2025</a:t>
+              <a:t>12-03-2025</a:t>
             </a:fld>
             <a:endParaRPr lang="en-IN"/>
           </a:p>
@@ -7169,7 +7113,7 @@
           <a:p>
             <a:fld id="{556EC8AE-FD76-4085-A0F8-6EBDE65228C0}" type="datetimeFigureOut">
               <a:rPr lang="en-IN" smtClean="0"/>
-              <a:t>03-03-2025</a:t>
+              <a:t>12-03-2025</a:t>
             </a:fld>
             <a:endParaRPr lang="en-IN"/>
           </a:p>
@@ -7466,7 +7410,7 @@
           <a:p>
             <a:fld id="{556EC8AE-FD76-4085-A0F8-6EBDE65228C0}" type="datetimeFigureOut">
               <a:rPr lang="en-IN" smtClean="0"/>
-              <a:t>03-03-2025</a:t>
+              <a:t>12-03-2025</a:t>
             </a:fld>
             <a:endParaRPr lang="en-IN"/>
           </a:p>
@@ -7720,7 +7664,7 @@
           <a:p>
             <a:fld id="{556EC8AE-FD76-4085-A0F8-6EBDE65228C0}" type="datetimeFigureOut">
               <a:rPr lang="en-IN" smtClean="0"/>
-              <a:t>03-03-2025</a:t>
+              <a:t>12-03-2025</a:t>
             </a:fld>
             <a:endParaRPr lang="en-IN"/>
           </a:p>
@@ -8337,7 +8281,7 @@
           <a:p>
             <a:fld id="{F919D3E5-AF57-4B86-B5F7-668B736E0C29}" type="datetimeFigureOut">
               <a:rPr lang="en-GB" smtClean="0"/>
-              <a:t>03/03/2025</a:t>
+              <a:t>12/03/2025</a:t>
             </a:fld>
             <a:endParaRPr lang="en-GB"/>
           </a:p>
@@ -18990,17 +18934,6 @@
 </file>
 
 <file path=customXml/item1.xml><?xml version="1.0" encoding="utf-8"?>
-<p:properties xmlns:p="http://schemas.microsoft.com/office/2006/metadata/properties" xmlns:xsi="http://www.w3.org/2001/XMLSchema-instance" xmlns:pc="http://schemas.microsoft.com/office/infopath/2007/PartnerControls">
-  <documentManagement>
-    <lcf76f155ced4ddcb4097134ff3c332f xmlns="28e6510d-4ecc-4cf3-a81e-2b626c7e9010">
-      <Terms xmlns="http://schemas.microsoft.com/office/infopath/2007/PartnerControls"/>
-    </lcf76f155ced4ddcb4097134ff3c332f>
-    <TaxCatchAll xmlns="bb00f955-0ff1-43a7-8278-f67a2e627f2a" xsi:nil="true"/>
-  </documentManagement>
-</p:properties>
-</file>
-
-<file path=customXml/item2.xml><?xml version="1.0" encoding="utf-8"?>
 <ct:contentTypeSchema xmlns:ct="http://schemas.microsoft.com/office/2006/metadata/contentType" xmlns:ma="http://schemas.microsoft.com/office/2006/metadata/properties/metaAttributes" ct:_="" ma:_="" ma:contentTypeName="Document" ma:contentTypeID="0x0101002CF17876FF137A4AB43423C6D43110F3" ma:contentTypeVersion="14" ma:contentTypeDescription="Create a new document." ma:contentTypeScope="" ma:versionID="fe438734e2ff0f245183fb779d7dc392">
   <xsd:schema xmlns:xsd="http://www.w3.org/2001/XMLSchema" xmlns:xs="http://www.w3.org/2001/XMLSchema" xmlns:p="http://schemas.microsoft.com/office/2006/metadata/properties" xmlns:ns2="28e6510d-4ecc-4cf3-a81e-2b626c7e9010" xmlns:ns3="bb00f955-0ff1-43a7-8278-f67a2e627f2a" targetNamespace="http://schemas.microsoft.com/office/2006/metadata/properties" ma:root="true" ma:fieldsID="a73e38589a1efc953eb502e5fcba237b" ns2:_="" ns3:_="">
     <xsd:import namespace="28e6510d-4ecc-4cf3-a81e-2b626c7e9010"/>
@@ -19229,6 +19162,17 @@
 </ct:contentTypeSchema>
 </file>
 
+<file path=customXml/item2.xml><?xml version="1.0" encoding="utf-8"?>
+<p:properties xmlns:p="http://schemas.microsoft.com/office/2006/metadata/properties" xmlns:xsi="http://www.w3.org/2001/XMLSchema-instance" xmlns:pc="http://schemas.microsoft.com/office/infopath/2007/PartnerControls">
+  <documentManagement>
+    <lcf76f155ced4ddcb4097134ff3c332f xmlns="28e6510d-4ecc-4cf3-a81e-2b626c7e9010">
+      <Terms xmlns="http://schemas.microsoft.com/office/infopath/2007/PartnerControls"/>
+    </lcf76f155ced4ddcb4097134ff3c332f>
+    <TaxCatchAll xmlns="bb00f955-0ff1-43a7-8278-f67a2e627f2a" xsi:nil="true"/>
+  </documentManagement>
+</p:properties>
+</file>
+
 <file path=customXml/item3.xml><?xml version="1.0" encoding="utf-8"?>
 <?mso-contentType ?>
 <FormTemplates xmlns="http://schemas.microsoft.com/sharepoint/v3/contenttype/forms">
@@ -19239,23 +19183,6 @@
 </file>
 
 <file path=customXml/itemProps1.xml><?xml version="1.0" encoding="utf-8"?>
-<ds:datastoreItem xmlns:ds="http://schemas.openxmlformats.org/officeDocument/2006/customXml" ds:itemID="{8F97265E-FD28-4336-B568-516DCDC83EDB}">
-  <ds:schemaRefs>
-    <ds:schemaRef ds:uri="http://purl.org/dc/terms/"/>
-    <ds:schemaRef ds:uri="http://schemas.microsoft.com/office/2006/metadata/properties"/>
-    <ds:schemaRef ds:uri="http://schemas.microsoft.com/office/2006/documentManagement/types"/>
-    <ds:schemaRef ds:uri="http://schemas.openxmlformats.org/package/2006/metadata/core-properties"/>
-    <ds:schemaRef ds:uri="bb00f955-0ff1-43a7-8278-f67a2e627f2a"/>
-    <ds:schemaRef ds:uri="http://www.w3.org/XML/1998/namespace"/>
-    <ds:schemaRef ds:uri="28e6510d-4ecc-4cf3-a81e-2b626c7e9010"/>
-    <ds:schemaRef ds:uri="http://schemas.microsoft.com/office/infopath/2007/PartnerControls"/>
-    <ds:schemaRef ds:uri="http://purl.org/dc/dcmitype/"/>
-    <ds:schemaRef ds:uri="http://purl.org/dc/elements/1.1/"/>
-  </ds:schemaRefs>
-</ds:datastoreItem>
-</file>
-
-<file path=customXml/itemProps2.xml><?xml version="1.0" encoding="utf-8"?>
 <ds:datastoreItem xmlns:ds="http://schemas.openxmlformats.org/officeDocument/2006/customXml" ds:itemID="{D89E1BDC-29E9-44BC-8E23-619B962E0C2E}">
   <ds:schemaRefs>
     <ds:schemaRef ds:uri="http://schemas.microsoft.com/office/2006/metadata/contentType"/>
@@ -19274,6 +19201,23 @@
 </ds:datastoreItem>
 </file>
 
+<file path=customXml/itemProps2.xml><?xml version="1.0" encoding="utf-8"?>
+<ds:datastoreItem xmlns:ds="http://schemas.openxmlformats.org/officeDocument/2006/customXml" ds:itemID="{8F97265E-FD28-4336-B568-516DCDC83EDB}">
+  <ds:schemaRefs>
+    <ds:schemaRef ds:uri="http://purl.org/dc/terms/"/>
+    <ds:schemaRef ds:uri="http://schemas.microsoft.com/office/2006/metadata/properties"/>
+    <ds:schemaRef ds:uri="http://schemas.microsoft.com/office/2006/documentManagement/types"/>
+    <ds:schemaRef ds:uri="http://schemas.openxmlformats.org/package/2006/metadata/core-properties"/>
+    <ds:schemaRef ds:uri="bb00f955-0ff1-43a7-8278-f67a2e627f2a"/>
+    <ds:schemaRef ds:uri="http://www.w3.org/XML/1998/namespace"/>
+    <ds:schemaRef ds:uri="28e6510d-4ecc-4cf3-a81e-2b626c7e9010"/>
+    <ds:schemaRef ds:uri="http://schemas.microsoft.com/office/infopath/2007/PartnerControls"/>
+    <ds:schemaRef ds:uri="http://purl.org/dc/dcmitype/"/>
+    <ds:schemaRef ds:uri="http://purl.org/dc/elements/1.1/"/>
+  </ds:schemaRefs>
+</ds:datastoreItem>
+</file>
+
 <file path=customXml/itemProps3.xml><?xml version="1.0" encoding="utf-8"?>
 <ds:datastoreItem xmlns:ds="http://schemas.openxmlformats.org/officeDocument/2006/customXml" ds:itemID="{C93BE297-B52A-4A73-9D13-96E027360C04}">
   <ds:schemaRefs>
